--- a/RESTvsGraphQL.pptx
+++ b/RESTvsGraphQL.pptx
@@ -285,7 +285,7 @@
           <a:p>
             <a:fld id="{90C924B5-9429-4D5D-8E4F-7AD6FDB03957}" type="datetimeFigureOut">
               <a:rPr lang="uk-UA" smtClean="0"/>
-              <a:t>21.04.2018</a:t>
+              <a:t>23.04.2018</a:t>
             </a:fld>
             <a:endParaRPr lang="uk-UA"/>
           </a:p>
@@ -477,7 +477,7 @@
           <a:p>
             <a:fld id="{90C924B5-9429-4D5D-8E4F-7AD6FDB03957}" type="datetimeFigureOut">
               <a:rPr lang="uk-UA" smtClean="0"/>
-              <a:t>21.04.2018</a:t>
+              <a:t>23.04.2018</a:t>
             </a:fld>
             <a:endParaRPr lang="uk-UA"/>
           </a:p>
@@ -669,7 +669,7 @@
           <a:p>
             <a:fld id="{90C924B5-9429-4D5D-8E4F-7AD6FDB03957}" type="datetimeFigureOut">
               <a:rPr lang="uk-UA" smtClean="0"/>
-              <a:t>21.04.2018</a:t>
+              <a:t>23.04.2018</a:t>
             </a:fld>
             <a:endParaRPr lang="uk-UA"/>
           </a:p>
@@ -907,7 +907,7 @@
           <a:p>
             <a:fld id="{90C924B5-9429-4D5D-8E4F-7AD6FDB03957}" type="datetimeFigureOut">
               <a:rPr lang="uk-UA" smtClean="0"/>
-              <a:t>21.04.2018</a:t>
+              <a:t>23.04.2018</a:t>
             </a:fld>
             <a:endParaRPr lang="uk-UA"/>
           </a:p>
@@ -1232,7 +1232,7 @@
           <a:p>
             <a:fld id="{90C924B5-9429-4D5D-8E4F-7AD6FDB03957}" type="datetimeFigureOut">
               <a:rPr lang="uk-UA" smtClean="0"/>
-              <a:t>21.04.2018</a:t>
+              <a:t>23.04.2018</a:t>
             </a:fld>
             <a:endParaRPr lang="uk-UA"/>
           </a:p>
@@ -1509,7 +1509,7 @@
           <a:p>
             <a:fld id="{90C924B5-9429-4D5D-8E4F-7AD6FDB03957}" type="datetimeFigureOut">
               <a:rPr lang="uk-UA" smtClean="0"/>
-              <a:t>21.04.2018</a:t>
+              <a:t>23.04.2018</a:t>
             </a:fld>
             <a:endParaRPr lang="uk-UA"/>
           </a:p>
@@ -1903,7 +1903,7 @@
           <a:p>
             <a:fld id="{90C924B5-9429-4D5D-8E4F-7AD6FDB03957}" type="datetimeFigureOut">
               <a:rPr lang="uk-UA" smtClean="0"/>
-              <a:t>21.04.2018</a:t>
+              <a:t>23.04.2018</a:t>
             </a:fld>
             <a:endParaRPr lang="uk-UA"/>
           </a:p>
@@ -2380,7 +2380,7 @@
           <a:p>
             <a:fld id="{90C924B5-9429-4D5D-8E4F-7AD6FDB03957}" type="datetimeFigureOut">
               <a:rPr lang="uk-UA" smtClean="0"/>
-              <a:t>21.04.2018</a:t>
+              <a:t>23.04.2018</a:t>
             </a:fld>
             <a:endParaRPr lang="uk-UA"/>
           </a:p>
@@ -2498,7 +2498,7 @@
           <a:p>
             <a:fld id="{90C924B5-9429-4D5D-8E4F-7AD6FDB03957}" type="datetimeFigureOut">
               <a:rPr lang="uk-UA" smtClean="0"/>
-              <a:t>21.04.2018</a:t>
+              <a:t>23.04.2018</a:t>
             </a:fld>
             <a:endParaRPr lang="uk-UA"/>
           </a:p>
@@ -2593,7 +2593,7 @@
           <a:p>
             <a:fld id="{90C924B5-9429-4D5D-8E4F-7AD6FDB03957}" type="datetimeFigureOut">
               <a:rPr lang="uk-UA" smtClean="0"/>
-              <a:t>21.04.2018</a:t>
+              <a:t>23.04.2018</a:t>
             </a:fld>
             <a:endParaRPr lang="uk-UA"/>
           </a:p>
@@ -2939,7 +2939,7 @@
           <a:p>
             <a:fld id="{90C924B5-9429-4D5D-8E4F-7AD6FDB03957}" type="datetimeFigureOut">
               <a:rPr lang="uk-UA" smtClean="0"/>
-              <a:t>21.04.2018</a:t>
+              <a:t>23.04.2018</a:t>
             </a:fld>
             <a:endParaRPr lang="uk-UA"/>
           </a:p>
@@ -3177,7 +3177,7 @@
           <a:p>
             <a:fld id="{90C924B5-9429-4D5D-8E4F-7AD6FDB03957}" type="datetimeFigureOut">
               <a:rPr lang="uk-UA" smtClean="0"/>
-              <a:t>21.04.2018</a:t>
+              <a:t>23.04.2018</a:t>
             </a:fld>
             <a:endParaRPr lang="uk-UA"/>
           </a:p>
@@ -3509,7 +3509,7 @@
           <a:p>
             <a:fld id="{90C924B5-9429-4D5D-8E4F-7AD6FDB03957}" type="datetimeFigureOut">
               <a:rPr lang="uk-UA" smtClean="0"/>
-              <a:t>21.04.2018</a:t>
+              <a:t>23.04.2018</a:t>
             </a:fld>
             <a:endParaRPr lang="uk-UA"/>
           </a:p>
@@ -3748,7 +3748,7 @@
           <a:p>
             <a:fld id="{90C924B5-9429-4D5D-8E4F-7AD6FDB03957}" type="datetimeFigureOut">
               <a:rPr lang="uk-UA" smtClean="0"/>
-              <a:t>21.04.2018</a:t>
+              <a:t>23.04.2018</a:t>
             </a:fld>
             <a:endParaRPr lang="uk-UA"/>
           </a:p>
@@ -3928,7 +3928,7 @@
           <a:p>
             <a:fld id="{90C924B5-9429-4D5D-8E4F-7AD6FDB03957}" type="datetimeFigureOut">
               <a:rPr lang="uk-UA" smtClean="0"/>
-              <a:t>21.04.2018</a:t>
+              <a:t>23.04.2018</a:t>
             </a:fld>
             <a:endParaRPr lang="uk-UA"/>
           </a:p>
@@ -4124,7 +4124,7 @@
           <a:p>
             <a:fld id="{90C924B5-9429-4D5D-8E4F-7AD6FDB03957}" type="datetimeFigureOut">
               <a:rPr lang="uk-UA" smtClean="0"/>
-              <a:t>21.04.2018</a:t>
+              <a:t>23.04.2018</a:t>
             </a:fld>
             <a:endParaRPr lang="uk-UA"/>
           </a:p>
@@ -4424,7 +4424,7 @@
           <a:p>
             <a:fld id="{90C924B5-9429-4D5D-8E4F-7AD6FDB03957}" type="datetimeFigureOut">
               <a:rPr lang="uk-UA" smtClean="0"/>
-              <a:t>21.04.2018</a:t>
+              <a:t>23.04.2018</a:t>
             </a:fld>
             <a:endParaRPr lang="uk-UA"/>
           </a:p>
@@ -4863,7 +4863,7 @@
           <a:p>
             <a:fld id="{90C924B5-9429-4D5D-8E4F-7AD6FDB03957}" type="datetimeFigureOut">
               <a:rPr lang="uk-UA" smtClean="0"/>
-              <a:t>21.04.2018</a:t>
+              <a:t>23.04.2018</a:t>
             </a:fld>
             <a:endParaRPr lang="uk-UA"/>
           </a:p>
@@ -4993,7 +4993,7 @@
           <a:p>
             <a:fld id="{90C924B5-9429-4D5D-8E4F-7AD6FDB03957}" type="datetimeFigureOut">
               <a:rPr lang="uk-UA" smtClean="0"/>
-              <a:t>21.04.2018</a:t>
+              <a:t>23.04.2018</a:t>
             </a:fld>
             <a:endParaRPr lang="uk-UA"/>
           </a:p>
@@ -5100,7 +5100,7 @@
           <a:p>
             <a:fld id="{90C924B5-9429-4D5D-8E4F-7AD6FDB03957}" type="datetimeFigureOut">
               <a:rPr lang="uk-UA" smtClean="0"/>
-              <a:t>21.04.2018</a:t>
+              <a:t>23.04.2018</a:t>
             </a:fld>
             <a:endParaRPr lang="uk-UA"/>
           </a:p>
@@ -5389,7 +5389,7 @@
           <a:p>
             <a:fld id="{90C924B5-9429-4D5D-8E4F-7AD6FDB03957}" type="datetimeFigureOut">
               <a:rPr lang="uk-UA" smtClean="0"/>
-              <a:t>21.04.2018</a:t>
+              <a:t>23.04.2018</a:t>
             </a:fld>
             <a:endParaRPr lang="uk-UA"/>
           </a:p>
@@ -5658,7 +5658,7 @@
           <a:p>
             <a:fld id="{90C924B5-9429-4D5D-8E4F-7AD6FDB03957}" type="datetimeFigureOut">
               <a:rPr lang="uk-UA" smtClean="0"/>
-              <a:t>21.04.2018</a:t>
+              <a:t>23.04.2018</a:t>
             </a:fld>
             <a:endParaRPr lang="uk-UA"/>
           </a:p>
@@ -5988,7 +5988,7 @@
           <a:p>
             <a:fld id="{90C924B5-9429-4D5D-8E4F-7AD6FDB03957}" type="datetimeFigureOut">
               <a:rPr lang="uk-UA" smtClean="0"/>
-              <a:t>21.04.2018</a:t>
+              <a:t>23.04.2018</a:t>
             </a:fld>
             <a:endParaRPr lang="uk-UA"/>
           </a:p>
@@ -6725,7 +6725,7 @@
           <a:p>
             <a:fld id="{90C924B5-9429-4D5D-8E4F-7AD6FDB03957}" type="datetimeFigureOut">
               <a:rPr lang="uk-UA" smtClean="0"/>
-              <a:t>21.04.2018</a:t>
+              <a:t>23.04.2018</a:t>
             </a:fld>
             <a:endParaRPr lang="uk-UA"/>
           </a:p>
@@ -10240,7 +10240,7 @@
           <p:nvPr>
             <p:extLst>
               <p:ext uri="{D42A27DB-BD31-4B8C-83A1-F6EECF244321}">
-                <p14:modId xmlns:p14="http://schemas.microsoft.com/office/powerpoint/2010/main" val="1106838906"/>
+                <p14:modId xmlns:p14="http://schemas.microsoft.com/office/powerpoint/2010/main" val="736472019"/>
               </p:ext>
             </p:extLst>
           </p:nvPr>
@@ -10333,7 +10333,7 @@
                       <a:r>
                         <a:rPr lang="uk-UA" dirty="0">
                           <a:solidFill>
-                            <a:schemeClr val="tx2"/>
+                            <a:schemeClr val="tx1"/>
                           </a:solidFill>
                         </a:rPr>
                         <a:t>Поняття ресурс та способу його отримання повністю розділені одне від одного.</a:t>
@@ -10350,7 +10350,7 @@
                       <a:r>
                         <a:rPr lang="uk-UA" dirty="0">
                           <a:solidFill>
-                            <a:schemeClr val="tx2"/>
+                            <a:schemeClr val="tx1"/>
                           </a:solidFill>
                         </a:rPr>
                         <a:t>Ресурс та спосіб його отримання поєднані в одне ціле. </a:t>
@@ -10372,30 +10372,58 @@
                     <a:lstStyle/>
                     <a:p>
                       <a:r>
-                        <a:rPr lang="uk-UA" dirty="0"/>
+                        <a:rPr lang="uk-UA" dirty="0">
+                          <a:solidFill>
+                            <a:schemeClr val="tx1"/>
+                          </a:solidFill>
+                        </a:rPr>
                         <a:t>Має одну </a:t>
                       </a:r>
                       <a:r>
-                        <a:rPr lang="en-US" dirty="0"/>
+                        <a:rPr lang="en-US" dirty="0">
+                          <a:solidFill>
+                            <a:schemeClr val="tx1"/>
+                          </a:solidFill>
+                        </a:rPr>
                         <a:t>“</a:t>
                       </a:r>
                       <a:r>
-                        <a:rPr lang="uk-UA" dirty="0"/>
+                        <a:rPr lang="uk-UA" dirty="0">
+                          <a:solidFill>
+                            <a:schemeClr val="tx1"/>
+                          </a:solidFill>
+                        </a:rPr>
                         <a:t>розумну</a:t>
                       </a:r>
                       <a:r>
-                        <a:rPr lang="en-US" dirty="0"/>
+                        <a:rPr lang="en-US" dirty="0">
+                          <a:solidFill>
+                            <a:schemeClr val="tx1"/>
+                          </a:solidFill>
+                        </a:rPr>
                         <a:t>” </a:t>
                       </a:r>
                       <a:r>
-                        <a:rPr lang="uk-UA" dirty="0"/>
+                        <a:rPr lang="uk-UA" dirty="0">
+                          <a:solidFill>
+                            <a:schemeClr val="tx1"/>
+                          </a:solidFill>
+                        </a:rPr>
                         <a:t>кінцеву точку </a:t>
                       </a:r>
                       <a:r>
-                        <a:rPr lang="en-US" dirty="0"/>
+                        <a:rPr lang="en-US" dirty="0">
+                          <a:solidFill>
+                            <a:schemeClr val="tx1"/>
+                          </a:solidFill>
+                        </a:rPr>
                         <a:t>(endpoint).</a:t>
                       </a:r>
-                      <a:endParaRPr lang="uk-UA" dirty="0"/>
+                      <a:endParaRPr lang="uk-UA" dirty="0">
+                        <a:solidFill>
+                          <a:schemeClr val="tx1"/>
+                        </a:solidFill>
+                      </a:endParaRPr>
                     </a:p>
                   </a:txBody>
                   <a:tcPr/>
@@ -10406,30 +10434,58 @@
                     <a:lstStyle/>
                     <a:p>
                       <a:r>
-                        <a:rPr lang="uk-UA" dirty="0"/>
+                        <a:rPr lang="uk-UA" dirty="0">
+                          <a:solidFill>
+                            <a:schemeClr val="tx1"/>
+                          </a:solidFill>
+                        </a:rPr>
                         <a:t>Має безліч різних кінцевих точок</a:t>
                       </a:r>
                       <a:r>
-                        <a:rPr lang="en-US" dirty="0"/>
+                        <a:rPr lang="en-US" dirty="0">
+                          <a:solidFill>
+                            <a:schemeClr val="tx1"/>
+                          </a:solidFill>
+                        </a:rPr>
                         <a:t> </a:t>
                       </a:r>
                       <a:r>
-                        <a:rPr lang="uk-UA" dirty="0"/>
+                        <a:rPr lang="uk-UA" dirty="0">
+                          <a:solidFill>
+                            <a:schemeClr val="tx1"/>
+                          </a:solidFill>
+                        </a:rPr>
                         <a:t>(</a:t>
                       </a:r>
                       <a:r>
-                        <a:rPr lang="en-US" dirty="0"/>
+                        <a:rPr lang="en-US" dirty="0">
+                          <a:solidFill>
+                            <a:schemeClr val="tx1"/>
+                          </a:solidFill>
+                        </a:rPr>
                         <a:t>endpoint</a:t>
                       </a:r>
                       <a:r>
-                        <a:rPr lang="uk-UA" dirty="0"/>
+                        <a:rPr lang="uk-UA" dirty="0">
+                          <a:solidFill>
+                            <a:schemeClr val="tx1"/>
+                          </a:solidFill>
+                        </a:rPr>
                         <a:t>)</a:t>
                       </a:r>
                       <a:r>
-                        <a:rPr lang="en-US" dirty="0"/>
+                        <a:rPr lang="en-US" dirty="0">
+                          <a:solidFill>
+                            <a:schemeClr val="tx1"/>
+                          </a:solidFill>
+                        </a:rPr>
                         <a:t>.</a:t>
                       </a:r>
-                      <a:endParaRPr lang="uk-UA" dirty="0"/>
+                      <a:endParaRPr lang="uk-UA" dirty="0">
+                        <a:solidFill>
+                          <a:schemeClr val="tx1"/>
+                        </a:solidFill>
+                      </a:endParaRPr>
                     </a:p>
                   </a:txBody>
                   <a:tcPr/>
@@ -10447,7 +10503,11 @@
                     <a:lstStyle/>
                     <a:p>
                       <a:r>
-                        <a:rPr lang="uk-UA" dirty="0"/>
+                        <a:rPr lang="uk-UA" dirty="0">
+                          <a:solidFill>
+                            <a:schemeClr val="tx1"/>
+                          </a:solidFill>
+                        </a:rPr>
                         <a:t>Сервер визначає лише набір доступних ресурсів, а клієнт вказує потрібні йому дані в запиті.</a:t>
                       </a:r>
                     </a:p>
@@ -10460,7 +10520,11 @@
                     <a:lstStyle/>
                     <a:p>
                       <a:r>
-                        <a:rPr lang="uk-UA" dirty="0"/>
+                        <a:rPr lang="uk-UA" dirty="0">
+                          <a:solidFill>
+                            <a:schemeClr val="tx1"/>
+                          </a:solidFill>
+                        </a:rPr>
                         <a:t>Структура і об’єм ресурсу визначаються сервером.</a:t>
                       </a:r>
                     </a:p>
@@ -10480,35 +10544,67 @@
                     <a:lstStyle/>
                     <a:p>
                       <a:r>
-                        <a:rPr lang="uk-UA" dirty="0"/>
+                        <a:rPr lang="uk-UA" dirty="0">
+                          <a:solidFill>
+                            <a:schemeClr val="tx1"/>
+                          </a:solidFill>
+                        </a:rPr>
                         <a:t>Для запису даних змінюється ключове слово в тілі </a:t>
                       </a:r>
                       <a:r>
-                        <a:rPr lang="en-US" dirty="0" err="1"/>
+                        <a:rPr lang="en-US" dirty="0" err="1">
+                          <a:solidFill>
+                            <a:schemeClr val="tx1"/>
+                          </a:solidFill>
+                        </a:rPr>
                         <a:t>GraphQL</a:t>
                       </a:r>
                       <a:r>
-                        <a:rPr lang="en-US" dirty="0"/>
+                        <a:rPr lang="en-US" dirty="0">
+                          <a:solidFill>
+                            <a:schemeClr val="tx1"/>
+                          </a:solidFill>
+                        </a:rPr>
                         <a:t> </a:t>
                       </a:r>
                       <a:r>
-                        <a:rPr lang="uk-UA" dirty="0"/>
+                        <a:rPr lang="uk-UA" dirty="0">
+                          <a:solidFill>
+                            <a:schemeClr val="tx1"/>
+                          </a:solidFill>
+                        </a:rPr>
                         <a:t>запиту. (Наприклад з </a:t>
                       </a:r>
                       <a:r>
-                        <a:rPr lang="en-US" dirty="0"/>
+                        <a:rPr lang="en-US" dirty="0">
+                          <a:solidFill>
+                            <a:schemeClr val="tx1"/>
+                          </a:solidFill>
+                        </a:rPr>
                         <a:t>query</a:t>
                       </a:r>
                       <a:r>
-                        <a:rPr lang="uk-UA" dirty="0"/>
+                        <a:rPr lang="uk-UA" dirty="0">
+                          <a:solidFill>
+                            <a:schemeClr val="tx1"/>
+                          </a:solidFill>
+                        </a:rPr>
                         <a:t> на</a:t>
                       </a:r>
                       <a:r>
-                        <a:rPr lang="en-US" dirty="0"/>
+                        <a:rPr lang="en-US" dirty="0">
+                          <a:solidFill>
+                            <a:schemeClr val="tx1"/>
+                          </a:solidFill>
+                        </a:rPr>
                         <a:t> mutation</a:t>
                       </a:r>
                       <a:r>
-                        <a:rPr lang="uk-UA" dirty="0"/>
+                        <a:rPr lang="uk-UA" dirty="0">
+                          <a:solidFill>
+                            <a:schemeClr val="tx1"/>
+                          </a:solidFill>
+                        </a:rPr>
                         <a:t>)</a:t>
                       </a:r>
                     </a:p>
@@ -10521,31 +10617,59 @@
                     <a:lstStyle/>
                     <a:p>
                       <a:r>
-                        <a:rPr lang="uk-UA" dirty="0"/>
+                        <a:rPr lang="uk-UA" dirty="0">
+                          <a:solidFill>
+                            <a:schemeClr val="tx1"/>
+                          </a:solidFill>
+                        </a:rPr>
                         <a:t>Запис даних визначається зміною імені </a:t>
                       </a:r>
                       <a:r>
-                        <a:rPr lang="en-US" dirty="0"/>
+                        <a:rPr lang="en-US" dirty="0">
+                          <a:solidFill>
+                            <a:schemeClr val="tx1"/>
+                          </a:solidFill>
+                        </a:rPr>
                         <a:t>HTTP-</a:t>
                       </a:r>
                       <a:r>
-                        <a:rPr lang="uk-UA" dirty="0"/>
+                        <a:rPr lang="uk-UA" dirty="0">
+                          <a:solidFill>
+                            <a:schemeClr val="tx1"/>
+                          </a:solidFill>
+                        </a:rPr>
                         <a:t>методу запиту. (Наприклад з </a:t>
                       </a:r>
                       <a:r>
-                        <a:rPr lang="en-US" dirty="0"/>
+                        <a:rPr lang="en-US" dirty="0">
+                          <a:solidFill>
+                            <a:schemeClr val="tx1"/>
+                          </a:solidFill>
+                        </a:rPr>
                         <a:t>GET </a:t>
                       </a:r>
                       <a:r>
-                        <a:rPr lang="uk-UA" dirty="0"/>
+                        <a:rPr lang="uk-UA" dirty="0">
+                          <a:solidFill>
+                            <a:schemeClr val="tx1"/>
+                          </a:solidFill>
+                        </a:rPr>
                         <a:t>на </a:t>
                       </a:r>
                       <a:r>
-                        <a:rPr lang="en-US" dirty="0"/>
+                        <a:rPr lang="en-US" dirty="0">
+                          <a:solidFill>
+                            <a:schemeClr val="tx1"/>
+                          </a:solidFill>
+                        </a:rPr>
                         <a:t>POST</a:t>
                       </a:r>
                       <a:r>
-                        <a:rPr lang="uk-UA" dirty="0"/>
+                        <a:rPr lang="uk-UA" dirty="0">
+                          <a:solidFill>
+                            <a:schemeClr val="tx1"/>
+                          </a:solidFill>
+                        </a:rPr>
                         <a:t>)</a:t>
                       </a:r>
                     </a:p>
@@ -10565,7 +10689,11 @@
                     <a:lstStyle/>
                     <a:p>
                       <a:r>
-                        <a:rPr lang="uk-UA" dirty="0"/>
+                        <a:rPr lang="uk-UA" dirty="0">
+                          <a:solidFill>
+                            <a:schemeClr val="tx1"/>
+                          </a:solidFill>
+                        </a:rPr>
                         <a:t>Можливість отримати всі необхідні дані за один запит за рахунок вкладеності полів.</a:t>
                       </a:r>
                     </a:p>
@@ -10578,7 +10706,11 @@
                     <a:lstStyle/>
                     <a:p>
                       <a:r>
-                        <a:rPr lang="uk-UA" dirty="0"/>
+                        <a:rPr lang="uk-UA" dirty="0">
+                          <a:solidFill>
+                            <a:schemeClr val="tx1"/>
+                          </a:solidFill>
+                        </a:rPr>
                         <a:t>Через те, що об’єм ресурсу визначається на стороні сервера клієнт може отримати, як неповні дані, так і  надлишкову інформацію.</a:t>
                       </a:r>
                     </a:p>
@@ -10598,14 +10730,26 @@
                     <a:lstStyle/>
                     <a:p>
                       <a:r>
-                        <a:rPr lang="uk-UA" dirty="0"/>
+                        <a:rPr lang="uk-UA" dirty="0">
+                          <a:solidFill>
+                            <a:schemeClr val="tx1"/>
+                          </a:solidFill>
+                        </a:rPr>
                         <a:t>Відповідь на запит може повертати дані у форматі: </a:t>
                       </a:r>
                       <a:r>
-                        <a:rPr lang="en-US" dirty="0"/>
+                        <a:rPr lang="en-US" dirty="0">
+                          <a:solidFill>
+                            <a:schemeClr val="tx1"/>
+                          </a:solidFill>
+                        </a:rPr>
                         <a:t>JSON.</a:t>
                       </a:r>
-                      <a:endParaRPr lang="uk-UA" dirty="0"/>
+                      <a:endParaRPr lang="uk-UA" dirty="0">
+                        <a:solidFill>
+                          <a:schemeClr val="tx1"/>
+                        </a:solidFill>
+                      </a:endParaRPr>
                     </a:p>
                   </a:txBody>
                   <a:tcPr/>
@@ -10633,14 +10777,26 @@
                         <a:defRPr/>
                       </a:pPr>
                       <a:r>
-                        <a:rPr lang="uk-UA" dirty="0"/>
+                        <a:rPr lang="uk-UA" dirty="0">
+                          <a:solidFill>
+                            <a:schemeClr val="tx1"/>
+                          </a:solidFill>
+                        </a:rPr>
                         <a:t>Відповідь на запит може повертати дані в різних форматах: </a:t>
                       </a:r>
                       <a:r>
-                        <a:rPr lang="en-US" dirty="0"/>
+                        <a:rPr lang="en-US" dirty="0">
+                          <a:solidFill>
+                            <a:schemeClr val="tx1"/>
+                          </a:solidFill>
+                        </a:rPr>
                         <a:t>JSON, HTML, XML.</a:t>
                       </a:r>
-                      <a:endParaRPr lang="uk-UA" dirty="0"/>
+                      <a:endParaRPr lang="uk-UA" dirty="0">
+                        <a:solidFill>
+                          <a:schemeClr val="tx1"/>
+                        </a:solidFill>
+                      </a:endParaRPr>
                     </a:p>
                   </a:txBody>
                   <a:tcPr/>
